--- a/presentations/Debugging NEO Accounts and Addresses-20180216 v0.1.pptx
+++ b/presentations/Debugging NEO Accounts and Addresses-20180216 v0.1.pptx
@@ -5,23 +5,25 @@
     <p:sldMasterId id="2147483660" r:id="rId1"/>
   </p:sldMasterIdLst>
   <p:notesMasterIdLst>
-    <p:notesMasterId r:id="rId16"/>
+    <p:notesMasterId r:id="rId18"/>
   </p:notesMasterIdLst>
   <p:sldIdLst>
     <p:sldId id="256" r:id="rId2"/>
     <p:sldId id="270" r:id="rId3"/>
     <p:sldId id="257" r:id="rId4"/>
-    <p:sldId id="267" r:id="rId5"/>
-    <p:sldId id="269" r:id="rId6"/>
-    <p:sldId id="263" r:id="rId7"/>
-    <p:sldId id="264" r:id="rId8"/>
-    <p:sldId id="265" r:id="rId9"/>
-    <p:sldId id="266" r:id="rId10"/>
-    <p:sldId id="262" r:id="rId11"/>
-    <p:sldId id="261" r:id="rId12"/>
-    <p:sldId id="268" r:id="rId13"/>
+    <p:sldId id="273" r:id="rId5"/>
+    <p:sldId id="267" r:id="rId6"/>
+    <p:sldId id="269" r:id="rId7"/>
+    <p:sldId id="263" r:id="rId8"/>
+    <p:sldId id="264" r:id="rId9"/>
+    <p:sldId id="265" r:id="rId10"/>
+    <p:sldId id="266" r:id="rId11"/>
+    <p:sldId id="262" r:id="rId12"/>
+    <p:sldId id="261" r:id="rId13"/>
     <p:sldId id="259" r:id="rId14"/>
     <p:sldId id="258" r:id="rId15"/>
+    <p:sldId id="271" r:id="rId16"/>
+    <p:sldId id="272" r:id="rId17"/>
   </p:sldIdLst>
   <p:sldSz cx="12192000" cy="6858000"/>
   <p:notesSz cx="6858000" cy="9144000"/>
@@ -120,6 +122,11 @@
       </a:defRPr>
     </a:lvl9pPr>
   </p:defaultTextStyle>
+  <p:extLst>
+    <p:ext uri="{EFAFB233-063F-42B5-8137-9DF3F51BA10A}">
+      <p15:sldGuideLst xmlns:p15="http://schemas.microsoft.com/office/powerpoint/2012/main"/>
+    </p:ext>
+  </p:extLst>
 </p:presentation>
 </file>
 
@@ -205,7 +212,7 @@
           <a:p>
             <a:fld id="{38B90DEF-B49A-4C32-BF69-0FB0639AEFC4}" type="datetimeFigureOut">
               <a:rPr lang="en-CA" smtClean="0"/>
-              <a:t>2018-02-16</a:t>
+              <a:t>2018-02-17</a:t>
             </a:fld>
             <a:endParaRPr lang="en-CA"/>
           </a:p>
@@ -1195,7 +1202,7 @@
           <a:p>
             <a:fld id="{850F4645-0C93-4E14-B78E-0194D21706FC}" type="datetimeFigureOut">
               <a:rPr lang="en-CA" smtClean="0"/>
-              <a:t>2018-02-16</a:t>
+              <a:t>2018-02-17</a:t>
             </a:fld>
             <a:endParaRPr lang="en-CA"/>
           </a:p>
@@ -1487,7 +1494,7 @@
           <a:p>
             <a:fld id="{850F4645-0C93-4E14-B78E-0194D21706FC}" type="datetimeFigureOut">
               <a:rPr lang="en-CA" smtClean="0"/>
-              <a:t>2018-02-16</a:t>
+              <a:t>2018-02-17</a:t>
             </a:fld>
             <a:endParaRPr lang="en-CA"/>
           </a:p>
@@ -1801,7 +1808,7 @@
           <a:p>
             <a:fld id="{850F4645-0C93-4E14-B78E-0194D21706FC}" type="datetimeFigureOut">
               <a:rPr lang="en-CA" smtClean="0"/>
-              <a:t>2018-02-16</a:t>
+              <a:t>2018-02-17</a:t>
             </a:fld>
             <a:endParaRPr lang="en-CA"/>
           </a:p>
@@ -2124,7 +2131,7 @@
           <a:p>
             <a:fld id="{850F4645-0C93-4E14-B78E-0194D21706FC}" type="datetimeFigureOut">
               <a:rPr lang="en-CA" smtClean="0"/>
-              <a:t>2018-02-16</a:t>
+              <a:t>2018-02-17</a:t>
             </a:fld>
             <a:endParaRPr lang="en-CA"/>
           </a:p>
@@ -2438,7 +2445,7 @@
           <a:p>
             <a:fld id="{850F4645-0C93-4E14-B78E-0194D21706FC}" type="datetimeFigureOut">
               <a:rPr lang="en-CA" smtClean="0"/>
-              <a:t>2018-02-16</a:t>
+              <a:t>2018-02-17</a:t>
             </a:fld>
             <a:endParaRPr lang="en-CA"/>
           </a:p>
@@ -2825,7 +2832,7 @@
           <a:p>
             <a:fld id="{850F4645-0C93-4E14-B78E-0194D21706FC}" type="datetimeFigureOut">
               <a:rPr lang="en-CA" smtClean="0"/>
-              <a:t>2018-02-16</a:t>
+              <a:t>2018-02-17</a:t>
             </a:fld>
             <a:endParaRPr lang="en-CA"/>
           </a:p>
@@ -2995,7 +3002,7 @@
           <a:p>
             <a:fld id="{850F4645-0C93-4E14-B78E-0194D21706FC}" type="datetimeFigureOut">
               <a:rPr lang="en-CA" smtClean="0"/>
-              <a:t>2018-02-16</a:t>
+              <a:t>2018-02-17</a:t>
             </a:fld>
             <a:endParaRPr lang="en-CA"/>
           </a:p>
@@ -3175,7 +3182,7 @@
           <a:p>
             <a:fld id="{850F4645-0C93-4E14-B78E-0194D21706FC}" type="datetimeFigureOut">
               <a:rPr lang="en-CA" smtClean="0"/>
-              <a:t>2018-02-16</a:t>
+              <a:t>2018-02-17</a:t>
             </a:fld>
             <a:endParaRPr lang="en-CA"/>
           </a:p>
@@ -3351,7 +3358,7 @@
           <a:p>
             <a:fld id="{850F4645-0C93-4E14-B78E-0194D21706FC}" type="datetimeFigureOut">
               <a:rPr lang="en-CA" smtClean="0"/>
-              <a:t>2018-02-16</a:t>
+              <a:t>2018-02-17</a:t>
             </a:fld>
             <a:endParaRPr lang="en-CA"/>
           </a:p>
@@ -3598,7 +3605,7 @@
           <a:p>
             <a:fld id="{850F4645-0C93-4E14-B78E-0194D21706FC}" type="datetimeFigureOut">
               <a:rPr lang="en-CA" smtClean="0"/>
-              <a:t>2018-02-16</a:t>
+              <a:t>2018-02-17</a:t>
             </a:fld>
             <a:endParaRPr lang="en-CA"/>
           </a:p>
@@ -3830,7 +3837,7 @@
           <a:p>
             <a:fld id="{850F4645-0C93-4E14-B78E-0194D21706FC}" type="datetimeFigureOut">
               <a:rPr lang="en-CA" smtClean="0"/>
-              <a:t>2018-02-16</a:t>
+              <a:t>2018-02-17</a:t>
             </a:fld>
             <a:endParaRPr lang="en-CA"/>
           </a:p>
@@ -4204,7 +4211,7 @@
           <a:p>
             <a:fld id="{850F4645-0C93-4E14-B78E-0194D21706FC}" type="datetimeFigureOut">
               <a:rPr lang="en-CA" smtClean="0"/>
-              <a:t>2018-02-16</a:t>
+              <a:t>2018-02-17</a:t>
             </a:fld>
             <a:endParaRPr lang="en-CA"/>
           </a:p>
@@ -4327,7 +4334,7 @@
           <a:p>
             <a:fld id="{850F4645-0C93-4E14-B78E-0194D21706FC}" type="datetimeFigureOut">
               <a:rPr lang="en-CA" smtClean="0"/>
-              <a:t>2018-02-16</a:t>
+              <a:t>2018-02-17</a:t>
             </a:fld>
             <a:endParaRPr lang="en-CA"/>
           </a:p>
@@ -4422,7 +4429,7 @@
           <a:p>
             <a:fld id="{850F4645-0C93-4E14-B78E-0194D21706FC}" type="datetimeFigureOut">
               <a:rPr lang="en-CA" smtClean="0"/>
-              <a:t>2018-02-16</a:t>
+              <a:t>2018-02-17</a:t>
             </a:fld>
             <a:endParaRPr lang="en-CA"/>
           </a:p>
@@ -4677,7 +4684,7 @@
           <a:p>
             <a:fld id="{850F4645-0C93-4E14-B78E-0194D21706FC}" type="datetimeFigureOut">
               <a:rPr lang="en-CA" smtClean="0"/>
-              <a:t>2018-02-16</a:t>
+              <a:t>2018-02-17</a:t>
             </a:fld>
             <a:endParaRPr lang="en-CA"/>
           </a:p>
@@ -4940,7 +4947,7 @@
           <a:p>
             <a:fld id="{850F4645-0C93-4E14-B78E-0194D21706FC}" type="datetimeFigureOut">
               <a:rPr lang="en-CA" smtClean="0"/>
-              <a:t>2018-02-16</a:t>
+              <a:t>2018-02-17</a:t>
             </a:fld>
             <a:endParaRPr lang="en-CA"/>
           </a:p>
@@ -5683,7 +5690,7 @@
           <a:p>
             <a:fld id="{850F4645-0C93-4E14-B78E-0194D21706FC}" type="datetimeFigureOut">
               <a:rPr lang="en-CA" smtClean="0"/>
-              <a:t>2018-02-16</a:t>
+              <a:t>2018-02-17</a:t>
             </a:fld>
             <a:endParaRPr lang="en-CA"/>
           </a:p>
@@ -6336,6 +6343,240 @@
           <p:cNvPr id="2" name="Title 1">
             <a:extLst>
               <a:ext uri="{FF2B5EF4-FFF2-40B4-BE49-F238E27FC236}">
+                <a16:creationId xmlns:a16="http://schemas.microsoft.com/office/drawing/2014/main" id="{53A24E7F-F25C-4875-B748-DCD04B08D723}"/>
+              </a:ext>
+            </a:extLst>
+          </p:cNvPr>
+          <p:cNvSpPr>
+            <a:spLocks noGrp="1"/>
+          </p:cNvSpPr>
+          <p:nvPr>
+            <p:ph type="title"/>
+          </p:nvPr>
+        </p:nvSpPr>
+        <p:spPr>
+          <a:xfrm>
+            <a:off x="677334" y="609600"/>
+            <a:ext cx="11514666" cy="1320800"/>
+          </a:xfrm>
+        </p:spPr>
+        <p:txBody>
+          <a:bodyPr>
+            <a:normAutofit fontScale="90000"/>
+          </a:bodyPr>
+          <a:lstStyle/>
+          <a:p>
+            <a:r>
+              <a:rPr lang="en-CA" dirty="0"/>
+              <a:t>WIF checksum checking</a:t>
+            </a:r>
+            <a:br>
+              <a:rPr lang="en-CA" dirty="0"/>
+            </a:br>
+            <a:r>
+              <a:rPr lang="en-US" dirty="0"/>
+              <a:t>Reference: </a:t>
+            </a:r>
+            <a:r>
+              <a:rPr lang="en-US" dirty="0">
+                <a:hlinkClick r:id="rId2"/>
+              </a:rPr>
+              <a:t>https://en.bitcoin.it/wiki/Wallet_import_format</a:t>
+            </a:r>
+            <a:endParaRPr lang="en-CA" dirty="0"/>
+          </a:p>
+        </p:txBody>
+      </p:sp>
+      <p:sp>
+        <p:nvSpPr>
+          <p:cNvPr id="3" name="Content Placeholder 2">
+            <a:extLst>
+              <a:ext uri="{FF2B5EF4-FFF2-40B4-BE49-F238E27FC236}">
+                <a16:creationId xmlns:a16="http://schemas.microsoft.com/office/drawing/2014/main" id="{4935CCB3-BD43-4178-B890-64A29C1585D3}"/>
+              </a:ext>
+            </a:extLst>
+          </p:cNvPr>
+          <p:cNvSpPr>
+            <a:spLocks noGrp="1"/>
+          </p:cNvSpPr>
+          <p:nvPr>
+            <p:ph idx="1"/>
+          </p:nvPr>
+        </p:nvSpPr>
+        <p:spPr>
+          <a:xfrm>
+            <a:off x="677334" y="2048257"/>
+            <a:ext cx="10396050" cy="4809744"/>
+          </a:xfrm>
+        </p:spPr>
+        <p:txBody>
+          <a:bodyPr>
+            <a:normAutofit fontScale="70000" lnSpcReduction="20000"/>
+          </a:bodyPr>
+          <a:lstStyle/>
+          <a:p>
+            <a:r>
+              <a:rPr lang="en-CA" dirty="0"/>
+              <a:t>1 - Take the Wallet Import Format string</a:t>
+            </a:r>
+            <a:br>
+              <a:rPr lang="en-CA" dirty="0"/>
+            </a:br>
+            <a:br>
+              <a:rPr lang="en-CA" dirty="0"/>
+            </a:br>
+            <a:r>
+              <a:rPr lang="en-CA" dirty="0"/>
+              <a:t> 5HueCGU8rMjxEXxiPuD5BD_SAMPLE_PRIVATE_KEY_DO_NOT_IMPORT_ku4MkFqeZyd4dZ1jvhTVqvbTLvyTJ</a:t>
+            </a:r>
+          </a:p>
+          <a:p>
+            <a:r>
+              <a:rPr lang="en-CA" dirty="0"/>
+              <a:t>2 - Convert it to a byte string using Base58Check encoding</a:t>
+            </a:r>
+            <a:br>
+              <a:rPr lang="en-CA" dirty="0"/>
+            </a:br>
+            <a:br>
+              <a:rPr lang="en-CA" dirty="0"/>
+            </a:br>
+            <a:r>
+              <a:rPr lang="en-CA" dirty="0"/>
+              <a:t>800C28FCA386C7A227600B2FE50B7CAE11E_SAMPLE_PRIVATE_KEY_DO_NOT_IMPORT_C86D3BF1FBE471BE89827E19D72AA1D507A5B8D</a:t>
+            </a:r>
+          </a:p>
+          <a:p>
+            <a:r>
+              <a:rPr lang="en-CA" dirty="0"/>
+              <a:t>3 - Drop the last 4 checksum bytes from the byte string</a:t>
+            </a:r>
+            <a:br>
+              <a:rPr lang="en-CA" dirty="0"/>
+            </a:br>
+            <a:br>
+              <a:rPr lang="en-CA" dirty="0"/>
+            </a:br>
+            <a:r>
+              <a:rPr lang="en-CA" dirty="0"/>
+              <a:t>800C28FCA386C7A227600B2FE50B7CAE11EC86D3BF1FBE471BE89827E19D72AA1D</a:t>
+            </a:r>
+          </a:p>
+          <a:p>
+            <a:r>
+              <a:rPr lang="en-CA" dirty="0"/>
+              <a:t>3 - Perform SHA-256 hash on the shortened string</a:t>
+            </a:r>
+            <a:br>
+              <a:rPr lang="en-CA" dirty="0"/>
+            </a:br>
+            <a:br>
+              <a:rPr lang="en-CA" dirty="0"/>
+            </a:br>
+            <a:r>
+              <a:rPr lang="en-CA" dirty="0"/>
+              <a:t>8147786C4D15106333BF278D71DADAF1079EF2D2440A4DDE37D747DED5403592</a:t>
+            </a:r>
+          </a:p>
+          <a:p>
+            <a:r>
+              <a:rPr lang="en-CA" dirty="0"/>
+              <a:t>4 - Perform SHA-256 hash on result of SHA-256 hash</a:t>
+            </a:r>
+            <a:br>
+              <a:rPr lang="en-CA" dirty="0"/>
+            </a:br>
+            <a:br>
+              <a:rPr lang="en-CA" dirty="0"/>
+            </a:br>
+            <a:r>
+              <a:rPr lang="en-CA" dirty="0"/>
+              <a:t>507A5B8DFED0FC6FE8801743720CEDEC06AA5C6FCA72B07C49964492FB98A714</a:t>
+            </a:r>
+          </a:p>
+          <a:p>
+            <a:r>
+              <a:rPr lang="en-CA" dirty="0"/>
+              <a:t>5 - Take the first 4 bytes of the second SHA-256 hash, this is the checksum</a:t>
+            </a:r>
+            <a:br>
+              <a:rPr lang="en-CA" dirty="0"/>
+            </a:br>
+            <a:br>
+              <a:rPr lang="en-CA" dirty="0"/>
+            </a:br>
+            <a:r>
+              <a:rPr lang="en-CA" dirty="0"/>
+              <a:t>507A5B8D</a:t>
+            </a:r>
+          </a:p>
+          <a:p>
+            <a:r>
+              <a:rPr lang="en-CA" dirty="0"/>
+              <a:t>6 - Make sure it is the same, as the last 4 bytes from point 2</a:t>
+            </a:r>
+            <a:br>
+              <a:rPr lang="en-CA" dirty="0"/>
+            </a:br>
+            <a:br>
+              <a:rPr lang="en-CA" dirty="0"/>
+            </a:br>
+            <a:r>
+              <a:rPr lang="en-CA" dirty="0"/>
+              <a:t>507A5B8D</a:t>
+            </a:r>
+          </a:p>
+          <a:p>
+            <a:r>
+              <a:rPr lang="en-CA" dirty="0"/>
+              <a:t>7 - If they are, and the byte string from point 2 starts with 0x80 (0xef for </a:t>
+            </a:r>
+            <a:r>
+              <a:rPr lang="en-CA" dirty="0" err="1"/>
+              <a:t>testnet</a:t>
+            </a:r>
+            <a:r>
+              <a:rPr lang="en-CA" dirty="0"/>
+              <a:t> addresses), then there is no error.</a:t>
+            </a:r>
+          </a:p>
+        </p:txBody>
+      </p:sp>
+    </p:spTree>
+    <p:extLst>
+      <p:ext uri="{BB962C8B-B14F-4D97-AF65-F5344CB8AC3E}">
+        <p14:creationId xmlns:p14="http://schemas.microsoft.com/office/powerpoint/2010/main" val="3226462886"/>
+      </p:ext>
+    </p:extLst>
+  </p:cSld>
+  <p:clrMapOvr>
+    <a:masterClrMapping/>
+  </p:clrMapOvr>
+</p:sld>
+</file>
+
+<file path=ppt/slides/slide11.xml><?xml version="1.0" encoding="utf-8"?>
+<p:sld xmlns:a="http://schemas.openxmlformats.org/drawingml/2006/main" xmlns:r="http://schemas.openxmlformats.org/officeDocument/2006/relationships" xmlns:p="http://schemas.openxmlformats.org/presentationml/2006/main">
+  <p:cSld>
+    <p:spTree>
+      <p:nvGrpSpPr>
+        <p:cNvPr id="1" name=""/>
+        <p:cNvGrpSpPr/>
+        <p:nvPr/>
+      </p:nvGrpSpPr>
+      <p:grpSpPr>
+        <a:xfrm>
+          <a:off x="0" y="0"/>
+          <a:ext cx="0" cy="0"/>
+          <a:chOff x="0" y="0"/>
+          <a:chExt cx="0" cy="0"/>
+        </a:xfrm>
+      </p:grpSpPr>
+      <p:sp>
+        <p:nvSpPr>
+          <p:cNvPr id="2" name="Title 1">
+            <a:extLst>
+              <a:ext uri="{FF2B5EF4-FFF2-40B4-BE49-F238E27FC236}">
                 <a16:creationId xmlns:a16="http://schemas.microsoft.com/office/drawing/2014/main" id="{1CAF2000-928E-46DC-A144-CAB3E9825653}"/>
               </a:ext>
             </a:extLst>
@@ -6354,8 +6595,13 @@
           <a:p>
             <a:r>
               <a:rPr lang="en-CA" dirty="0"/>
-              <a:t>Account, Address and Keys</a:t>
-            </a:r>
+              <a:t>Account Address, Keys and Key </a:t>
+            </a:r>
+            <a:r>
+              <a:rPr lang="en-CA" dirty="0" err="1"/>
+              <a:t>Lenghts</a:t>
+            </a:r>
+            <a:endParaRPr lang="en-CA" dirty="0"/>
           </a:p>
         </p:txBody>
       </p:sp>
@@ -6378,61 +6624,91 @@
         <p:spPr>
           <a:xfrm>
             <a:off x="677334" y="2160589"/>
-            <a:ext cx="9929706" cy="3880773"/>
+            <a:ext cx="11383602" cy="4087811"/>
           </a:xfrm>
         </p:spPr>
         <p:txBody>
           <a:bodyPr>
-            <a:normAutofit fontScale="92500"/>
+            <a:normAutofit fontScale="85000" lnSpcReduction="20000"/>
           </a:bodyPr>
           <a:lstStyle/>
           <a:p>
             <a:r>
               <a:rPr lang="en-CA" dirty="0"/>
-              <a:t>WIF1				L3f7C21q4Mu5FzZsDuCMeHqwJ1apHYCrwzU2821p1opaM43BAMKo</a:t>
+              <a:t>WIF1					(52) L3f7C21q4Mu5FzZsDuCMeHqwJ1apHYCrwzU2821p1opaM43BAMKo</a:t>
             </a:r>
           </a:p>
           <a:p>
             <a:r>
               <a:rPr lang="en-CA" dirty="0"/>
-              <a:t>WIF1Address		AcCHoikUq9cP6SMESHufCEMwADJNcTwnAv</a:t>
+              <a:t>WIF1Address			(34) AcCHoikUq9cP6SMESHufCEMwADJNcTwnAv</a:t>
             </a:r>
           </a:p>
           <a:p>
             <a:r>
               <a:rPr lang="en-CA" dirty="0"/>
-              <a:t>WIF1PublicKey		02c44534465c8b21f659eba5708e69edae1ddd6f8cd63004095f8e39493cf54e82</a:t>
+              <a:t>WIF1PublicKeyHex		(66) 02c44534465c8b21f659eba5708e69edae1ddd6f8cd63004095f8e39493cf54e82</a:t>
             </a:r>
           </a:p>
           <a:p>
             <a:r>
               <a:rPr lang="en-US" dirty="0"/>
-              <a:t>WIF1PrivateKeyHex	c016e1c8a193cc1a28a15464106b91b52727547a3a36f40a8bfebd9933d1963c</a:t>
-            </a:r>
+              <a:t>WIF1PrivateKeyHex		(64) c016e1c8a193cc1a28a15464106b91b52727547a3a36f40a8bfebd9933d1963c</a:t>
+            </a:r>
+          </a:p>
+          <a:p>
+            <a:r>
+              <a:rPr lang="en-CA" dirty="0"/>
+              <a:t>WIF1AddressScriptHash	(20) e000aa6a0ab08af8aa78b19d481e5b5c40d8be0e</a:t>
+            </a:r>
+          </a:p>
+          <a:p>
+            <a:r>
+              <a:rPr lang="en-CA" dirty="0"/>
+              <a:t> </a:t>
+            </a:r>
+          </a:p>
+          <a:p>
+            <a:r>
+              <a:rPr lang="en-CA" dirty="0"/>
+              <a:t>WIF2					(52) KxDgvEKzgSBPPfuVfw67oPQBSjidEiqTHURKSDL1R7yGaGYAeYnr</a:t>
+            </a:r>
+          </a:p>
+          <a:p>
+            <a:r>
+              <a:rPr lang="en-CA" dirty="0"/>
+              <a:t>WIF2Address			(34) AK2nJJpJr6o664CWJKi1QRXjqeic2zRp8y</a:t>
+            </a:r>
+          </a:p>
+          <a:p>
+            <a:r>
+              <a:rPr lang="en-US" dirty="0"/>
+              <a:t>WIF2PublicKeyHex		(66) 031a6c6fbbdf02ca351745fa86b9ba5a9452d785ac4f7fc2b7548ca2a46c4fcf4a</a:t>
+            </a:r>
+          </a:p>
+          <a:p>
+            <a:r>
+              <a:rPr lang="en-CA" dirty="0"/>
+              <a:t>WIF2PrivateKeyHex		(64) 1dd37fba80fec4e6a6f13fd708d8dcb3b29def768017052f6c930fa1c5d90bbb</a:t>
+            </a:r>
+          </a:p>
+          <a:p>
+            <a:r>
+              <a:rPr lang="en-CA" dirty="0"/>
+              <a:t>WIF2AddressScriptHash	(20) 23ba2703c53263e8d6e522dc32203339dcd8eee9</a:t>
+            </a:r>
+          </a:p>
+          <a:p>
             <a:endParaRPr lang="en-CA" dirty="0"/>
           </a:p>
           <a:p>
             <a:r>
+              <a:rPr lang="en-CA" dirty="0" err="1"/>
+              <a:t>TxID</a:t>
+            </a:r>
+            <a:r>
               <a:rPr lang="en-CA" dirty="0"/>
-              <a:t>WIF2				KxDgvEKzgSBPPfuVfw67oPQBSjidEiqTHURKSDL1R7yGaGYAeYnr</a:t>
-            </a:r>
-          </a:p>
-          <a:p>
-            <a:r>
-              <a:rPr lang="en-CA" dirty="0"/>
-              <a:t>WIF2Address		AK2nJJpJr6o664CWJKi1QRXjqeic2zRp8y</a:t>
-            </a:r>
-          </a:p>
-          <a:p>
-            <a:r>
-              <a:rPr lang="en-US" dirty="0"/>
-              <a:t>WIF2PublicKey		031a6c6fbbdf02ca351745fa86b9ba5a9452d785ac4f7fc2b7548ca2a46c4fcf4a</a:t>
-            </a:r>
-          </a:p>
-          <a:p>
-            <a:r>
-              <a:rPr lang="en-CA" dirty="0"/>
-              <a:t>WIF2PrivateKeyHex	1dd37fba80fec4e6a6f13fd708d8dcb3b29def768017052f6c930fa1c5d90bbb</a:t>
+              <a:t>					(64) 687b68a1159429dc558e4fc7590e391d52f1ef79a12922f941daa37c00334ec5</a:t>
             </a:r>
           </a:p>
         </p:txBody>
@@ -6450,7 +6726,7 @@
 </p:sld>
 </file>
 
-<file path=ppt/slides/slide11.xml><?xml version="1.0" encoding="utf-8"?>
+<file path=ppt/slides/slide12.xml><?xml version="1.0" encoding="utf-8"?>
 <p:sld xmlns:a="http://schemas.openxmlformats.org/drawingml/2006/main" xmlns:r="http://schemas.openxmlformats.org/officeDocument/2006/relationships" xmlns:p="http://schemas.openxmlformats.org/presentationml/2006/main">
   <p:cSld>
     <p:spTree>
@@ -6501,99 +6777,6 @@
     <p:extLst>
       <p:ext uri="{BB962C8B-B14F-4D97-AF65-F5344CB8AC3E}">
         <p14:creationId xmlns:p14="http://schemas.microsoft.com/office/powerpoint/2010/main" val="2358195674"/>
-      </p:ext>
-    </p:extLst>
-  </p:cSld>
-  <p:clrMapOvr>
-    <a:masterClrMapping/>
-  </p:clrMapOvr>
-</p:sld>
-</file>
-
-<file path=ppt/slides/slide12.xml><?xml version="1.0" encoding="utf-8"?>
-<p:sld xmlns:a="http://schemas.openxmlformats.org/drawingml/2006/main" xmlns:r="http://schemas.openxmlformats.org/officeDocument/2006/relationships" xmlns:p="http://schemas.openxmlformats.org/presentationml/2006/main">
-  <p:cSld>
-    <p:spTree>
-      <p:nvGrpSpPr>
-        <p:cNvPr id="1" name=""/>
-        <p:cNvGrpSpPr/>
-        <p:nvPr/>
-      </p:nvGrpSpPr>
-      <p:grpSpPr>
-        <a:xfrm>
-          <a:off x="0" y="0"/>
-          <a:ext cx="0" cy="0"/>
-          <a:chOff x="0" y="0"/>
-          <a:chExt cx="0" cy="0"/>
-        </a:xfrm>
-      </p:grpSpPr>
-      <p:sp>
-        <p:nvSpPr>
-          <p:cNvPr id="2" name="Title 1">
-            <a:extLst>
-              <a:ext uri="{FF2B5EF4-FFF2-40B4-BE49-F238E27FC236}">
-                <a16:creationId xmlns:a16="http://schemas.microsoft.com/office/drawing/2014/main" id="{84585BE1-803B-47DE-9B3A-FAE542CFAE19}"/>
-              </a:ext>
-            </a:extLst>
-          </p:cNvPr>
-          <p:cNvSpPr>
-            <a:spLocks noGrp="1"/>
-          </p:cNvSpPr>
-          <p:nvPr>
-            <p:ph type="title"/>
-          </p:nvPr>
-        </p:nvSpPr>
-        <p:spPr/>
-        <p:txBody>
-          <a:bodyPr/>
-          <a:lstStyle/>
-          <a:p>
-            <a:r>
-              <a:rPr lang="en-CA" dirty="0"/>
-              <a:t>Key Lengths</a:t>
-            </a:r>
-          </a:p>
-        </p:txBody>
-      </p:sp>
-      <p:sp>
-        <p:nvSpPr>
-          <p:cNvPr id="3" name="Content Placeholder 2">
-            <a:extLst>
-              <a:ext uri="{FF2B5EF4-FFF2-40B4-BE49-F238E27FC236}">
-                <a16:creationId xmlns:a16="http://schemas.microsoft.com/office/drawing/2014/main" id="{B3C9F37E-C94D-4CAB-8909-991D1F888865}"/>
-              </a:ext>
-            </a:extLst>
-          </p:cNvPr>
-          <p:cNvSpPr>
-            <a:spLocks noGrp="1"/>
-          </p:cNvSpPr>
-          <p:nvPr>
-            <p:ph idx="1"/>
-          </p:nvPr>
-        </p:nvSpPr>
-        <p:spPr/>
-        <p:txBody>
-          <a:bodyPr/>
-          <a:lstStyle/>
-          <a:p>
-            <a:r>
-              <a:rPr lang="en-US" dirty="0"/>
-              <a:t>Script hash is a byte[] of length 20</a:t>
-            </a:r>
-          </a:p>
-          <a:p>
-            <a:r>
-              <a:rPr lang="en-US" dirty="0"/>
-              <a:t>Public key is a byte[] of length 33</a:t>
-            </a:r>
-            <a:endParaRPr lang="en-CA" dirty="0"/>
-          </a:p>
-        </p:txBody>
-      </p:sp>
-    </p:spTree>
-    <p:extLst>
-      <p:ext uri="{BB962C8B-B14F-4D97-AF65-F5344CB8AC3E}">
-        <p14:creationId xmlns:p14="http://schemas.microsoft.com/office/powerpoint/2010/main" val="4184376691"/>
       </p:ext>
     </p:extLst>
   </p:cSld>
@@ -6927,6 +7110,126 @@
 </p:sld>
 </file>
 
+<file path=ppt/slides/slide15.xml><?xml version="1.0" encoding="utf-8"?>
+<p:sld xmlns:a="http://schemas.openxmlformats.org/drawingml/2006/main" xmlns:r="http://schemas.openxmlformats.org/officeDocument/2006/relationships" xmlns:p="http://schemas.openxmlformats.org/presentationml/2006/main">
+  <p:cSld>
+    <p:spTree>
+      <p:nvGrpSpPr>
+        <p:cNvPr id="1" name=""/>
+        <p:cNvGrpSpPr/>
+        <p:nvPr/>
+      </p:nvGrpSpPr>
+      <p:grpSpPr>
+        <a:xfrm>
+          <a:off x="0" y="0"/>
+          <a:ext cx="0" cy="0"/>
+          <a:chOff x="0" y="0"/>
+          <a:chExt cx="0" cy="0"/>
+        </a:xfrm>
+      </p:grpSpPr>
+      <p:pic>
+        <p:nvPicPr>
+          <p:cNvPr id="2" name="Picture 1">
+            <a:extLst>
+              <a:ext uri="{FF2B5EF4-FFF2-40B4-BE49-F238E27FC236}">
+                <a16:creationId xmlns:a16="http://schemas.microsoft.com/office/drawing/2014/main" id="{ED178E48-90B3-4265-ABD3-E28911776CD2}"/>
+              </a:ext>
+            </a:extLst>
+          </p:cNvPr>
+          <p:cNvPicPr>
+            <a:picLocks noChangeAspect="1"/>
+          </p:cNvPicPr>
+          <p:nvPr/>
+        </p:nvPicPr>
+        <p:blipFill>
+          <a:blip r:embed="rId2"/>
+          <a:stretch>
+            <a:fillRect/>
+          </a:stretch>
+        </p:blipFill>
+        <p:spPr>
+          <a:xfrm>
+            <a:off x="1809750" y="523875"/>
+            <a:ext cx="8572500" cy="5810250"/>
+          </a:xfrm>
+          <a:prstGeom prst="rect">
+            <a:avLst/>
+          </a:prstGeom>
+        </p:spPr>
+      </p:pic>
+    </p:spTree>
+    <p:extLst>
+      <p:ext uri="{BB962C8B-B14F-4D97-AF65-F5344CB8AC3E}">
+        <p14:creationId xmlns:p14="http://schemas.microsoft.com/office/powerpoint/2010/main" val="773728889"/>
+      </p:ext>
+    </p:extLst>
+  </p:cSld>
+  <p:clrMapOvr>
+    <a:masterClrMapping/>
+  </p:clrMapOvr>
+</p:sld>
+</file>
+
+<file path=ppt/slides/slide16.xml><?xml version="1.0" encoding="utf-8"?>
+<p:sld xmlns:a="http://schemas.openxmlformats.org/drawingml/2006/main" xmlns:r="http://schemas.openxmlformats.org/officeDocument/2006/relationships" xmlns:p="http://schemas.openxmlformats.org/presentationml/2006/main">
+  <p:cSld>
+    <p:spTree>
+      <p:nvGrpSpPr>
+        <p:cNvPr id="1" name=""/>
+        <p:cNvGrpSpPr/>
+        <p:nvPr/>
+      </p:nvGrpSpPr>
+      <p:grpSpPr>
+        <a:xfrm>
+          <a:off x="0" y="0"/>
+          <a:ext cx="0" cy="0"/>
+          <a:chOff x="0" y="0"/>
+          <a:chExt cx="0" cy="0"/>
+        </a:xfrm>
+      </p:grpSpPr>
+      <p:pic>
+        <p:nvPicPr>
+          <p:cNvPr id="2" name="Picture 1">
+            <a:extLst>
+              <a:ext uri="{FF2B5EF4-FFF2-40B4-BE49-F238E27FC236}">
+                <a16:creationId xmlns:a16="http://schemas.microsoft.com/office/drawing/2014/main" id="{3858C3EE-A513-4860-9D5C-6ABCEB653797}"/>
+              </a:ext>
+            </a:extLst>
+          </p:cNvPr>
+          <p:cNvPicPr>
+            <a:picLocks noChangeAspect="1"/>
+          </p:cNvPicPr>
+          <p:nvPr/>
+        </p:nvPicPr>
+        <p:blipFill>
+          <a:blip r:embed="rId2"/>
+          <a:stretch>
+            <a:fillRect/>
+          </a:stretch>
+        </p:blipFill>
+        <p:spPr>
+          <a:xfrm>
+            <a:off x="745180" y="0"/>
+            <a:ext cx="10701639" cy="6858000"/>
+          </a:xfrm>
+          <a:prstGeom prst="rect">
+            <a:avLst/>
+          </a:prstGeom>
+        </p:spPr>
+      </p:pic>
+    </p:spTree>
+    <p:extLst>
+      <p:ext uri="{BB962C8B-B14F-4D97-AF65-F5344CB8AC3E}">
+        <p14:creationId xmlns:p14="http://schemas.microsoft.com/office/powerpoint/2010/main" val="1826869133"/>
+      </p:ext>
+    </p:extLst>
+  </p:cSld>
+  <p:clrMapOvr>
+    <a:masterClrMapping/>
+  </p:clrMapOvr>
+</p:sld>
+</file>
+
 <file path=ppt/slides/slide2.xml><?xml version="1.0" encoding="utf-8"?>
 <p:sld xmlns:a="http://schemas.openxmlformats.org/drawingml/2006/main" xmlns:r="http://schemas.openxmlformats.org/officeDocument/2006/relationships" xmlns:p="http://schemas.openxmlformats.org/presentationml/2006/main">
   <p:cSld>
@@ -7060,10 +7363,10 @@
       </p:grpSpPr>
       <p:pic>
         <p:nvPicPr>
-          <p:cNvPr id="5" name="Picture 4">
+          <p:cNvPr id="6" name="Picture 5">
             <a:extLst>
               <a:ext uri="{FF2B5EF4-FFF2-40B4-BE49-F238E27FC236}">
-                <a16:creationId xmlns:a16="http://schemas.microsoft.com/office/drawing/2014/main" id="{C36D426E-2536-4099-9BBD-5253CAC6B978}"/>
+                <a16:creationId xmlns:a16="http://schemas.microsoft.com/office/drawing/2014/main" id="{FD8CDFF9-4A71-4B33-A014-DD933FC76312}"/>
               </a:ext>
             </a:extLst>
           </p:cNvPr>
@@ -7080,38 +7383,8 @@
         </p:blipFill>
         <p:spPr>
           <a:xfrm>
-            <a:off x="0" y="117475"/>
-            <a:ext cx="12192000" cy="6623050"/>
-          </a:xfrm>
-          <a:prstGeom prst="rect">
-            <a:avLst/>
-          </a:prstGeom>
-        </p:spPr>
-      </p:pic>
-      <p:pic>
-        <p:nvPicPr>
-          <p:cNvPr id="2" name="Picture 1">
-            <a:extLst>
-              <a:ext uri="{FF2B5EF4-FFF2-40B4-BE49-F238E27FC236}">
-                <a16:creationId xmlns:a16="http://schemas.microsoft.com/office/drawing/2014/main" id="{78926C60-236C-4D79-9DE6-CD046DC83284}"/>
-              </a:ext>
-            </a:extLst>
-          </p:cNvPr>
-          <p:cNvPicPr>
-            <a:picLocks noChangeAspect="1"/>
-          </p:cNvPicPr>
-          <p:nvPr/>
-        </p:nvPicPr>
-        <p:blipFill>
-          <a:blip r:embed="rId3"/>
-          <a:stretch>
-            <a:fillRect/>
-          </a:stretch>
-        </p:blipFill>
-        <p:spPr>
-          <a:xfrm>
-            <a:off x="4512183" y="533368"/>
-            <a:ext cx="6953250" cy="2847975"/>
+            <a:off x="236982" y="642747"/>
+            <a:ext cx="8572500" cy="5810250"/>
           </a:xfrm>
           <a:prstGeom prst="rect">
             <a:avLst/>
@@ -7133,6 +7406,36 @@
           <p:nvPr/>
         </p:nvPicPr>
         <p:blipFill>
+          <a:blip r:embed="rId3"/>
+          <a:stretch>
+            <a:fillRect/>
+          </a:stretch>
+        </p:blipFill>
+        <p:spPr>
+          <a:xfrm>
+            <a:off x="6237351" y="3332623"/>
+            <a:ext cx="6953250" cy="2847975"/>
+          </a:xfrm>
+          <a:prstGeom prst="rect">
+            <a:avLst/>
+          </a:prstGeom>
+        </p:spPr>
+      </p:pic>
+      <p:pic>
+        <p:nvPicPr>
+          <p:cNvPr id="3" name="Picture 2">
+            <a:extLst>
+              <a:ext uri="{FF2B5EF4-FFF2-40B4-BE49-F238E27FC236}">
+                <a16:creationId xmlns:a16="http://schemas.microsoft.com/office/drawing/2014/main" id="{D1A2667D-E03D-481C-BE4D-6A7505C01DC0}"/>
+              </a:ext>
+            </a:extLst>
+          </p:cNvPr>
+          <p:cNvPicPr>
+            <a:picLocks noChangeAspect="1"/>
+          </p:cNvPicPr>
+          <p:nvPr/>
+        </p:nvPicPr>
+        <p:blipFill>
           <a:blip r:embed="rId4"/>
           <a:stretch>
             <a:fillRect/>
@@ -7140,7 +7443,7 @@
         </p:blipFill>
         <p:spPr>
           <a:xfrm>
-            <a:off x="4512183" y="3541204"/>
+            <a:off x="6237351" y="212249"/>
             <a:ext cx="6953250" cy="2847975"/>
           </a:xfrm>
           <a:prstGeom prst="rect">
@@ -7162,6 +7465,66 @@
 </file>
 
 <file path=ppt/slides/slide4.xml><?xml version="1.0" encoding="utf-8"?>
+<p:sld xmlns:a="http://schemas.openxmlformats.org/drawingml/2006/main" xmlns:r="http://schemas.openxmlformats.org/officeDocument/2006/relationships" xmlns:p="http://schemas.openxmlformats.org/presentationml/2006/main">
+  <p:cSld>
+    <p:spTree>
+      <p:nvGrpSpPr>
+        <p:cNvPr id="1" name=""/>
+        <p:cNvGrpSpPr/>
+        <p:nvPr/>
+      </p:nvGrpSpPr>
+      <p:grpSpPr>
+        <a:xfrm>
+          <a:off x="0" y="0"/>
+          <a:ext cx="0" cy="0"/>
+          <a:chOff x="0" y="0"/>
+          <a:chExt cx="0" cy="0"/>
+        </a:xfrm>
+      </p:grpSpPr>
+      <p:pic>
+        <p:nvPicPr>
+          <p:cNvPr id="2" name="Picture 1">
+            <a:extLst>
+              <a:ext uri="{FF2B5EF4-FFF2-40B4-BE49-F238E27FC236}">
+                <a16:creationId xmlns:a16="http://schemas.microsoft.com/office/drawing/2014/main" id="{3858C3EE-A513-4860-9D5C-6ABCEB653797}"/>
+              </a:ext>
+            </a:extLst>
+          </p:cNvPr>
+          <p:cNvPicPr>
+            <a:picLocks noChangeAspect="1"/>
+          </p:cNvPicPr>
+          <p:nvPr/>
+        </p:nvPicPr>
+        <p:blipFill>
+          <a:blip r:embed="rId2"/>
+          <a:stretch>
+            <a:fillRect/>
+          </a:stretch>
+        </p:blipFill>
+        <p:spPr>
+          <a:xfrm>
+            <a:off x="745180" y="0"/>
+            <a:ext cx="10701639" cy="6858000"/>
+          </a:xfrm>
+          <a:prstGeom prst="rect">
+            <a:avLst/>
+          </a:prstGeom>
+        </p:spPr>
+      </p:pic>
+    </p:spTree>
+    <p:extLst>
+      <p:ext uri="{BB962C8B-B14F-4D97-AF65-F5344CB8AC3E}">
+        <p14:creationId xmlns:p14="http://schemas.microsoft.com/office/powerpoint/2010/main" val="469258237"/>
+      </p:ext>
+    </p:extLst>
+  </p:cSld>
+  <p:clrMapOvr>
+    <a:masterClrMapping/>
+  </p:clrMapOvr>
+</p:sld>
+</file>
+
+<file path=ppt/slides/slide5.xml><?xml version="1.0" encoding="utf-8"?>
 <p:sld xmlns:a="http://schemas.openxmlformats.org/drawingml/2006/main" xmlns:r="http://schemas.openxmlformats.org/officeDocument/2006/relationships" xmlns:p="http://schemas.openxmlformats.org/presentationml/2006/main">
   <p:cSld>
     <p:spTree>
@@ -7221,7 +7584,7 @@
 </p:sld>
 </file>
 
-<file path=ppt/slides/slide5.xml><?xml version="1.0" encoding="utf-8"?>
+<file path=ppt/slides/slide6.xml><?xml version="1.0" encoding="utf-8"?>
 <p:sld xmlns:a="http://schemas.openxmlformats.org/drawingml/2006/main" xmlns:r="http://schemas.openxmlformats.org/officeDocument/2006/relationships" xmlns:p="http://schemas.openxmlformats.org/presentationml/2006/main">
   <p:cSld>
     <p:spTree>
@@ -7530,116 +7893,44 @@
           </a:p>
         </p:txBody>
       </p:sp>
+      <p:sp>
+        <p:nvSpPr>
+          <p:cNvPr id="4" name="Rectangle 3">
+            <a:extLst>
+              <a:ext uri="{FF2B5EF4-FFF2-40B4-BE49-F238E27FC236}">
+                <a16:creationId xmlns:a16="http://schemas.microsoft.com/office/drawing/2014/main" id="{59CF7953-8312-4997-8F23-6D6F91B58A75}"/>
+              </a:ext>
+            </a:extLst>
+          </p:cNvPr>
+          <p:cNvSpPr/>
+          <p:nvPr/>
+        </p:nvSpPr>
+        <p:spPr>
+          <a:xfrm>
+            <a:off x="6297471" y="4270027"/>
+            <a:ext cx="5089855" cy="369332"/>
+          </a:xfrm>
+          <a:prstGeom prst="rect">
+            <a:avLst/>
+          </a:prstGeom>
+        </p:spPr>
+        <p:txBody>
+          <a:bodyPr wrap="none">
+            <a:spAutoFit/>
+          </a:bodyPr>
+          <a:lstStyle/>
+          <a:p>
+            <a:r>
+              <a:rPr lang="en-CA" dirty="0"/>
+              <a:t>23ba2703c53263e8d6e522dc32203339dcd8eee9</a:t>
+            </a:r>
+          </a:p>
+        </p:txBody>
+      </p:sp>
     </p:spTree>
     <p:extLst>
       <p:ext uri="{BB962C8B-B14F-4D97-AF65-F5344CB8AC3E}">
         <p14:creationId xmlns:p14="http://schemas.microsoft.com/office/powerpoint/2010/main" val="2682411948"/>
-      </p:ext>
-    </p:extLst>
-  </p:cSld>
-  <p:clrMapOvr>
-    <a:masterClrMapping/>
-  </p:clrMapOvr>
-</p:sld>
-</file>
-
-<file path=ppt/slides/slide6.xml><?xml version="1.0" encoding="utf-8"?>
-<p:sld xmlns:a="http://schemas.openxmlformats.org/drawingml/2006/main" xmlns:r="http://schemas.openxmlformats.org/officeDocument/2006/relationships" xmlns:p="http://schemas.openxmlformats.org/presentationml/2006/main">
-  <p:cSld>
-    <p:spTree>
-      <p:nvGrpSpPr>
-        <p:cNvPr id="1" name=""/>
-        <p:cNvGrpSpPr/>
-        <p:nvPr/>
-      </p:nvGrpSpPr>
-      <p:grpSpPr>
-        <a:xfrm>
-          <a:off x="0" y="0"/>
-          <a:ext cx="0" cy="0"/>
-          <a:chOff x="0" y="0"/>
-          <a:chExt cx="0" cy="0"/>
-        </a:xfrm>
-      </p:grpSpPr>
-      <p:sp>
-        <p:nvSpPr>
-          <p:cNvPr id="2" name="Title 1">
-            <a:extLst>
-              <a:ext uri="{FF2B5EF4-FFF2-40B4-BE49-F238E27FC236}">
-                <a16:creationId xmlns:a16="http://schemas.microsoft.com/office/drawing/2014/main" id="{2E8784C9-EE56-427F-AB4D-06CF82B4AE03}"/>
-              </a:ext>
-            </a:extLst>
-          </p:cNvPr>
-          <p:cNvSpPr>
-            <a:spLocks noGrp="1"/>
-          </p:cNvSpPr>
-          <p:nvPr>
-            <p:ph type="title"/>
-          </p:nvPr>
-        </p:nvSpPr>
-        <p:spPr/>
-        <p:txBody>
-          <a:bodyPr/>
-          <a:lstStyle/>
-          <a:p>
-            <a:r>
-              <a:rPr lang="en-US" dirty="0"/>
-              <a:t>Wallet Import Format (WIF)</a:t>
-            </a:r>
-            <a:endParaRPr lang="en-CA" dirty="0"/>
-          </a:p>
-        </p:txBody>
-      </p:sp>
-      <p:sp>
-        <p:nvSpPr>
-          <p:cNvPr id="3" name="Content Placeholder 2">
-            <a:extLst>
-              <a:ext uri="{FF2B5EF4-FFF2-40B4-BE49-F238E27FC236}">
-                <a16:creationId xmlns:a16="http://schemas.microsoft.com/office/drawing/2014/main" id="{FD0F561F-C34F-45B6-9784-4F4C1C7771BF}"/>
-              </a:ext>
-            </a:extLst>
-          </p:cNvPr>
-          <p:cNvSpPr>
-            <a:spLocks noGrp="1"/>
-          </p:cNvSpPr>
-          <p:nvPr>
-            <p:ph idx="1"/>
-          </p:nvPr>
-        </p:nvSpPr>
-        <p:spPr/>
-        <p:txBody>
-          <a:bodyPr/>
-          <a:lstStyle/>
-          <a:p>
-            <a:r>
-              <a:rPr lang="en-US" dirty="0"/>
-              <a:t>Also known as Wallet Export Format</a:t>
-            </a:r>
-          </a:p>
-          <a:p>
-            <a:r>
-              <a:rPr lang="en-US" dirty="0"/>
-              <a:t>Detailed reference: </a:t>
-            </a:r>
-            <a:r>
-              <a:rPr lang="en-US" dirty="0">
-                <a:hlinkClick r:id="rId2"/>
-              </a:rPr>
-              <a:t>https://en.bitcoin.it/wiki/Wallet_import_format</a:t>
-            </a:r>
-            <a:endParaRPr lang="en-US" dirty="0"/>
-          </a:p>
-          <a:p>
-            <a:r>
-              <a:rPr lang="en-US" dirty="0"/>
-              <a:t>Private keys are encoded and stored in WIF format</a:t>
-            </a:r>
-          </a:p>
-        </p:txBody>
-      </p:sp>
-    </p:spTree>
-    <p:extLst>
-      <p:ext uri="{BB962C8B-B14F-4D97-AF65-F5344CB8AC3E}">
-        <p14:creationId xmlns:p14="http://schemas.microsoft.com/office/powerpoint/2010/main" val="3787493085"/>
       </p:ext>
     </p:extLst>
   </p:cSld>
@@ -7671,7 +7962,7 @@
           <p:cNvPr id="2" name="Title 1">
             <a:extLst>
               <a:ext uri="{FF2B5EF4-FFF2-40B4-BE49-F238E27FC236}">
-                <a16:creationId xmlns:a16="http://schemas.microsoft.com/office/drawing/2014/main" id="{A71CC533-8BC9-4CEE-B0A9-872E6ACEBA18}"/>
+                <a16:creationId xmlns:a16="http://schemas.microsoft.com/office/drawing/2014/main" id="{2E8784C9-EE56-427F-AB4D-06CF82B4AE03}"/>
               </a:ext>
             </a:extLst>
           </p:cNvPr>
@@ -7682,28 +7973,49 @@
             <p:ph type="title"/>
           </p:nvPr>
         </p:nvSpPr>
-        <p:spPr>
-          <a:xfrm>
-            <a:off x="677334" y="609600"/>
-            <a:ext cx="11514666" cy="1320800"/>
-          </a:xfrm>
-        </p:spPr>
-        <p:txBody>
-          <a:bodyPr>
-            <a:normAutofit fontScale="90000"/>
-          </a:bodyPr>
+        <p:spPr/>
+        <p:txBody>
+          <a:bodyPr/>
           <a:lstStyle/>
           <a:p>
             <a:r>
               <a:rPr lang="en-US" dirty="0"/>
-              <a:t>Private key to WIF</a:t>
-            </a:r>
-            <a:br>
+              <a:t>Wallet Import Format (WIF)</a:t>
+            </a:r>
+            <a:endParaRPr lang="en-CA" dirty="0"/>
+          </a:p>
+        </p:txBody>
+      </p:sp>
+      <p:sp>
+        <p:nvSpPr>
+          <p:cNvPr id="3" name="Content Placeholder 2">
+            <a:extLst>
+              <a:ext uri="{FF2B5EF4-FFF2-40B4-BE49-F238E27FC236}">
+                <a16:creationId xmlns:a16="http://schemas.microsoft.com/office/drawing/2014/main" id="{FD0F561F-C34F-45B6-9784-4F4C1C7771BF}"/>
+              </a:ext>
+            </a:extLst>
+          </p:cNvPr>
+          <p:cNvSpPr>
+            <a:spLocks noGrp="1"/>
+          </p:cNvSpPr>
+          <p:nvPr>
+            <p:ph idx="1"/>
+          </p:nvPr>
+        </p:nvSpPr>
+        <p:spPr/>
+        <p:txBody>
+          <a:bodyPr/>
+          <a:lstStyle/>
+          <a:p>
+            <a:r>
               <a:rPr lang="en-US" dirty="0"/>
-            </a:br>
+              <a:t>Also known as Wallet Export Format</a:t>
+            </a:r>
+          </a:p>
+          <a:p>
             <a:r>
               <a:rPr lang="en-US" dirty="0"/>
-              <a:t>Reference: </a:t>
+              <a:t>Detailed reference: </a:t>
             </a:r>
             <a:r>
               <a:rPr lang="en-US" dirty="0">
@@ -7711,175 +8023,20 @@
               </a:rPr>
               <a:t>https://en.bitcoin.it/wiki/Wallet_import_format</a:t>
             </a:r>
-            <a:br>
+            <a:endParaRPr lang="en-US" dirty="0"/>
+          </a:p>
+          <a:p>
+            <a:r>
               <a:rPr lang="en-US" dirty="0"/>
-            </a:br>
-            <a:endParaRPr lang="en-CA" dirty="0"/>
-          </a:p>
-        </p:txBody>
-      </p:sp>
-      <p:sp>
-        <p:nvSpPr>
-          <p:cNvPr id="3" name="Content Placeholder 2">
-            <a:extLst>
-              <a:ext uri="{FF2B5EF4-FFF2-40B4-BE49-F238E27FC236}">
-                <a16:creationId xmlns:a16="http://schemas.microsoft.com/office/drawing/2014/main" id="{8D4CF890-98EC-49AD-AD44-6762C17F9406}"/>
-              </a:ext>
-            </a:extLst>
-          </p:cNvPr>
-          <p:cNvSpPr>
-            <a:spLocks noGrp="1"/>
-          </p:cNvSpPr>
-          <p:nvPr>
-            <p:ph idx="1"/>
-          </p:nvPr>
-        </p:nvSpPr>
-        <p:spPr>
-          <a:xfrm>
-            <a:off x="677334" y="2160589"/>
-            <a:ext cx="10414338" cy="4697411"/>
-          </a:xfrm>
-        </p:spPr>
-        <p:txBody>
-          <a:bodyPr>
-            <a:normAutofit fontScale="70000" lnSpcReduction="20000"/>
-          </a:bodyPr>
-          <a:lstStyle/>
-          <a:p>
-            <a:r>
-              <a:rPr lang="en-US" dirty="0"/>
-              <a:t>1 - Take a private key</a:t>
-            </a:r>
-            <a:br>
-              <a:rPr lang="en-US" dirty="0"/>
-            </a:br>
-            <a:br>
-              <a:rPr lang="en-US" dirty="0"/>
-            </a:br>
-            <a:r>
-              <a:rPr lang="en-US" dirty="0"/>
-              <a:t>0C28FCA386C7A227600B2FE50B7CAE_SAMPLE_PRIVATE_KEY_DO_NOT_IMPORT_11EC86D3BF1FBE471BE89827E19D72AA1D</a:t>
-            </a:r>
-          </a:p>
-          <a:p>
-            <a:r>
-              <a:rPr lang="en-US" dirty="0"/>
-              <a:t>2 - Add a 0x80 byte in front of it for </a:t>
-            </a:r>
-            <a:r>
-              <a:rPr lang="en-US" dirty="0" err="1"/>
-              <a:t>mainnet</a:t>
-            </a:r>
-            <a:r>
-              <a:rPr lang="en-US" dirty="0"/>
-              <a:t> addresses or 0xef for </a:t>
-            </a:r>
-            <a:r>
-              <a:rPr lang="en-US" dirty="0" err="1"/>
-              <a:t>testnet</a:t>
-            </a:r>
-            <a:r>
-              <a:rPr lang="en-US" dirty="0"/>
-              <a:t> addresses. Also add a 0x01 byte at the end if the private key will correspond to a compressed public key</a:t>
-            </a:r>
-            <a:br>
-              <a:rPr lang="en-US" dirty="0"/>
-            </a:br>
-            <a:br>
-              <a:rPr lang="en-US" dirty="0"/>
-            </a:br>
-            <a:r>
-              <a:rPr lang="en-US" dirty="0"/>
-              <a:t>800C28FCA386C7A227600B2FE50B7C_SAMPLE_PRIVATE_KEY_DO_NOT_IMPORT_AE11EC86D3BF1FBE471BE89827E19D72AA1D</a:t>
-            </a:r>
-          </a:p>
-          <a:p>
-            <a:r>
-              <a:rPr lang="en-US" dirty="0"/>
-              <a:t>3 - Perform SHA-256 hash on the extended key</a:t>
-            </a:r>
-            <a:br>
-              <a:rPr lang="en-US" dirty="0"/>
-            </a:br>
-            <a:br>
-              <a:rPr lang="en-US" dirty="0"/>
-            </a:br>
-            <a:r>
-              <a:rPr lang="en-US" dirty="0"/>
-              <a:t>8147786C4D15106333BF278D71DADAF1079EF2D2440A4DDE37D747DED5403592</a:t>
-            </a:r>
-          </a:p>
-          <a:p>
-            <a:r>
-              <a:rPr lang="en-US" dirty="0"/>
-              <a:t>4 - Perform SHA-256 hash on result of SHA-256 hash</a:t>
-            </a:r>
-            <a:br>
-              <a:rPr lang="en-US" dirty="0"/>
-            </a:br>
-            <a:br>
-              <a:rPr lang="en-US" dirty="0"/>
-            </a:br>
-            <a:r>
-              <a:rPr lang="en-US" dirty="0"/>
-              <a:t>507A5B8DFED0FC6FE8801743720CEDEC06AA5C6FCA72B07C49964492FB98A714</a:t>
-            </a:r>
-          </a:p>
-          <a:p>
-            <a:r>
-              <a:rPr lang="en-US" dirty="0"/>
-              <a:t>5 - Take the first 4 bytes of the second SHA-256 hash, this is the checksum</a:t>
-            </a:r>
-            <a:br>
-              <a:rPr lang="en-US" dirty="0"/>
-            </a:br>
-            <a:br>
-              <a:rPr lang="en-US" dirty="0"/>
-            </a:br>
-            <a:r>
-              <a:rPr lang="en-US" dirty="0"/>
-              <a:t>507A5B8D</a:t>
-            </a:r>
-          </a:p>
-          <a:p>
-            <a:r>
-              <a:rPr lang="en-US" dirty="0"/>
-              <a:t>6 - Add the 4 checksum bytes from point 5 at the end of the extended key from point 2</a:t>
-            </a:r>
-            <a:br>
-              <a:rPr lang="en-US" dirty="0"/>
-            </a:br>
-            <a:br>
-              <a:rPr lang="en-US" dirty="0"/>
-            </a:br>
-            <a:r>
-              <a:rPr lang="en-US" dirty="0"/>
-              <a:t>800C28FCA386C7A227600B2FE50B7CAE11EC8_SAMPLE_PRIVATE_KEY_DO_NOT_IMPORT_6D3BF1FBE471BE89827E19D72AA1D507A5B8D</a:t>
-            </a:r>
-          </a:p>
-          <a:p>
-            <a:r>
-              <a:rPr lang="en-US" dirty="0"/>
-              <a:t>7 - Convert the result from a byte string into a base58 string using Base58Check encoding. This is the Wallet Import Format</a:t>
-            </a:r>
-            <a:br>
-              <a:rPr lang="en-US" dirty="0"/>
-            </a:br>
-            <a:br>
-              <a:rPr lang="en-US" dirty="0"/>
-            </a:br>
-            <a:r>
-              <a:rPr lang="en-US" dirty="0"/>
-              <a:t>5HueCGU8rMjxEXxiPuD5BDk_SAMPLE_PRIVATE_KEY_DO_NOT_IMPORT_u4MkFqeZyd4dZ1jvhTVqvbTLvyTJ</a:t>
-            </a:r>
-            <a:endParaRPr lang="en-CA" dirty="0"/>
+              <a:t>Private keys are encoded and stored in WIF format</a:t>
+            </a:r>
           </a:p>
         </p:txBody>
       </p:sp>
     </p:spTree>
     <p:extLst>
       <p:ext uri="{BB962C8B-B14F-4D97-AF65-F5344CB8AC3E}">
-        <p14:creationId xmlns:p14="http://schemas.microsoft.com/office/powerpoint/2010/main" val="4209876668"/>
+        <p14:creationId xmlns:p14="http://schemas.microsoft.com/office/powerpoint/2010/main" val="3787493085"/>
       </p:ext>
     </p:extLst>
   </p:cSld>
@@ -7911,7 +8068,7 @@
           <p:cNvPr id="2" name="Title 1">
             <a:extLst>
               <a:ext uri="{FF2B5EF4-FFF2-40B4-BE49-F238E27FC236}">
-                <a16:creationId xmlns:a16="http://schemas.microsoft.com/office/drawing/2014/main" id="{E0625278-CA01-4D33-BDE9-BA2285EFF856}"/>
+                <a16:creationId xmlns:a16="http://schemas.microsoft.com/office/drawing/2014/main" id="{A71CC533-8BC9-4CEE-B0A9-872E6ACEBA18}"/>
               </a:ext>
             </a:extLst>
           </p:cNvPr>
@@ -7925,7 +8082,7 @@
         <p:spPr>
           <a:xfrm>
             <a:off x="677334" y="609600"/>
-            <a:ext cx="11420178" cy="1320800"/>
+            <a:ext cx="11514666" cy="1320800"/>
           </a:xfrm>
         </p:spPr>
         <p:txBody>
@@ -7936,7 +8093,7 @@
           <a:p>
             <a:r>
               <a:rPr lang="en-US" dirty="0"/>
-              <a:t>WIF to private key</a:t>
+              <a:t>Private key to WIF</a:t>
             </a:r>
             <a:br>
               <a:rPr lang="en-US" dirty="0"/>
@@ -7951,6 +8108,9 @@
               </a:rPr>
               <a:t>https://en.bitcoin.it/wiki/Wallet_import_format</a:t>
             </a:r>
+            <a:br>
+              <a:rPr lang="en-US" dirty="0"/>
+            </a:br>
             <a:endParaRPr lang="en-CA" dirty="0"/>
           </a:p>
         </p:txBody>
@@ -7960,7 +8120,7 @@
           <p:cNvPr id="3" name="Content Placeholder 2">
             <a:extLst>
               <a:ext uri="{FF2B5EF4-FFF2-40B4-BE49-F238E27FC236}">
-                <a16:creationId xmlns:a16="http://schemas.microsoft.com/office/drawing/2014/main" id="{31FF2BDB-E7C0-4F90-8FE2-484245563E0B}"/>
+                <a16:creationId xmlns:a16="http://schemas.microsoft.com/office/drawing/2014/main" id="{8D4CF890-98EC-49AD-AD44-6762C17F9406}"/>
               </a:ext>
             </a:extLst>
           </p:cNvPr>
@@ -7973,8 +8133,8 @@
         </p:nvSpPr>
         <p:spPr>
           <a:xfrm>
-            <a:off x="677334" y="2160590"/>
-            <a:ext cx="11063562" cy="2767012"/>
+            <a:off x="677334" y="2160589"/>
+            <a:ext cx="10414338" cy="4697411"/>
           </a:xfrm>
         </p:spPr>
         <p:txBody>
@@ -7985,7 +8145,7 @@
           <a:p>
             <a:r>
               <a:rPr lang="en-US" dirty="0"/>
-              <a:t>1 - Take a Wallet Import Format string</a:t>
+              <a:t>1 - Take a private key</a:t>
             </a:r>
             <a:br>
               <a:rPr lang="en-US" dirty="0"/>
@@ -7995,13 +8155,29 @@
             </a:br>
             <a:r>
               <a:rPr lang="en-US" dirty="0"/>
-              <a:t>5HueCGU8rMjxEXxiPuD5BDk_SAMPLE_PRIVATE_KEY_DO_NOT_IMPORT_u4MkFqeZyd4dZ1jvhTVqvbTLvyTJ</a:t>
+              <a:t>0C28FCA386C7A227600B2FE50B7CAE_SAMPLE_PRIVATE_KEY_DO_NOT_IMPORT_11EC86D3BF1FBE471BE89827E19D72AA1D</a:t>
             </a:r>
           </a:p>
           <a:p>
             <a:r>
               <a:rPr lang="en-US" dirty="0"/>
-              <a:t>2 - Convert it to a byte string using Base58Check encoding</a:t>
+              <a:t>2 - Add a 0x80 byte in front of it for </a:t>
+            </a:r>
+            <a:r>
+              <a:rPr lang="en-US" dirty="0" err="1"/>
+              <a:t>mainnet</a:t>
+            </a:r>
+            <a:r>
+              <a:rPr lang="en-US" dirty="0"/>
+              <a:t> addresses or 0xef for </a:t>
+            </a:r>
+            <a:r>
+              <a:rPr lang="en-US" dirty="0" err="1"/>
+              <a:t>testnet</a:t>
+            </a:r>
+            <a:r>
+              <a:rPr lang="en-US" dirty="0"/>
+              <a:t> addresses. Also add a 0x01 byte at the end if the private key will correspond to a compressed public key</a:t>
             </a:r>
             <a:br>
               <a:rPr lang="en-US" dirty="0"/>
@@ -8011,13 +8187,13 @@
             </a:br>
             <a:r>
               <a:rPr lang="en-US" dirty="0"/>
-              <a:t>800C28FCA386C7A227600B2FE50B7CAE11EC_SAMPLE_PRIVATE_KEY_DO_NOT_IMPORT_86D3BF1FBE471BE89827E19D72AA1D507A5B8D</a:t>
+              <a:t>800C28FCA386C7A227600B2FE50B7C_SAMPLE_PRIVATE_KEY_DO_NOT_IMPORT_AE11EC86D3BF1FBE471BE89827E19D72AA1D</a:t>
             </a:r>
           </a:p>
           <a:p>
             <a:r>
               <a:rPr lang="en-US" dirty="0"/>
-              <a:t>3 - Drop the last 4 checksum bytes from the byte string</a:t>
+              <a:t>3 - Perform SHA-256 hash on the extended key</a:t>
             </a:r>
             <a:br>
               <a:rPr lang="en-US" dirty="0"/>
@@ -8027,21 +8203,13 @@
             </a:br>
             <a:r>
               <a:rPr lang="en-US" dirty="0"/>
-              <a:t>800C28FCA386C7A227600B2FE50B7CAE11EC86D3BF1FBE471BE89827E19D72AA1D</a:t>
+              <a:t>8147786C4D15106333BF278D71DADAF1079EF2D2440A4DDE37D747DED5403592</a:t>
             </a:r>
           </a:p>
           <a:p>
             <a:r>
               <a:rPr lang="en-US" dirty="0"/>
-              <a:t>4 - Drop the first byte (it should be 0x80). If the private key corresponded to a compressed public key, also drop the last byte (it should be 0x01). If it corresponded to a compressed public key, the WIF string will have started with K or L instead of 5 (or c instead of 9 on </a:t>
-            </a:r>
-            <a:r>
-              <a:rPr lang="en-US" dirty="0" err="1"/>
-              <a:t>testnet</a:t>
-            </a:r>
-            <a:r>
-              <a:rPr lang="en-US" dirty="0"/>
-              <a:t>). This is the private key.</a:t>
+              <a:t>4 - Perform SHA-256 hash on result of SHA-256 hash</a:t>
             </a:r>
             <a:br>
               <a:rPr lang="en-US" dirty="0"/>
@@ -8051,7 +8219,55 @@
             </a:br>
             <a:r>
               <a:rPr lang="en-US" dirty="0"/>
-              <a:t>0C28FCA386C7A227600B2FE50B7CAE1_SAMPLE_PRIVATE_KEY_DO_NOT_IMPORT_1EC86D3BF1FBE471BE89827E19D72AA1D</a:t>
+              <a:t>507A5B8DFED0FC6FE8801743720CEDEC06AA5C6FCA72B07C49964492FB98A714</a:t>
+            </a:r>
+          </a:p>
+          <a:p>
+            <a:r>
+              <a:rPr lang="en-US" dirty="0"/>
+              <a:t>5 - Take the first 4 bytes of the second SHA-256 hash, this is the checksum</a:t>
+            </a:r>
+            <a:br>
+              <a:rPr lang="en-US" dirty="0"/>
+            </a:br>
+            <a:br>
+              <a:rPr lang="en-US" dirty="0"/>
+            </a:br>
+            <a:r>
+              <a:rPr lang="en-US" dirty="0"/>
+              <a:t>507A5B8D</a:t>
+            </a:r>
+          </a:p>
+          <a:p>
+            <a:r>
+              <a:rPr lang="en-US" dirty="0"/>
+              <a:t>6 - Add the 4 checksum bytes from point 5 at the end of the extended key from point 2</a:t>
+            </a:r>
+            <a:br>
+              <a:rPr lang="en-US" dirty="0"/>
+            </a:br>
+            <a:br>
+              <a:rPr lang="en-US" dirty="0"/>
+            </a:br>
+            <a:r>
+              <a:rPr lang="en-US" dirty="0"/>
+              <a:t>800C28FCA386C7A227600B2FE50B7CAE11EC8_SAMPLE_PRIVATE_KEY_DO_NOT_IMPORT_6D3BF1FBE471BE89827E19D72AA1D507A5B8D</a:t>
+            </a:r>
+          </a:p>
+          <a:p>
+            <a:r>
+              <a:rPr lang="en-US" dirty="0"/>
+              <a:t>7 - Convert the result from a byte string into a base58 string using Base58Check encoding. This is the Wallet Import Format</a:t>
+            </a:r>
+            <a:br>
+              <a:rPr lang="en-US" dirty="0"/>
+            </a:br>
+            <a:br>
+              <a:rPr lang="en-US" dirty="0"/>
+            </a:br>
+            <a:r>
+              <a:rPr lang="en-US" dirty="0"/>
+              <a:t>5HueCGU8rMjxEXxiPuD5BDk_SAMPLE_PRIVATE_KEY_DO_NOT_IMPORT_u4MkFqeZyd4dZ1jvhTVqvbTLvyTJ</a:t>
             </a:r>
             <a:endParaRPr lang="en-CA" dirty="0"/>
           </a:p>
@@ -8060,7 +8276,7 @@
     </p:spTree>
     <p:extLst>
       <p:ext uri="{BB962C8B-B14F-4D97-AF65-F5344CB8AC3E}">
-        <p14:creationId xmlns:p14="http://schemas.microsoft.com/office/powerpoint/2010/main" val="1675477767"/>
+        <p14:creationId xmlns:p14="http://schemas.microsoft.com/office/powerpoint/2010/main" val="4209876668"/>
       </p:ext>
     </p:extLst>
   </p:cSld>
@@ -8092,7 +8308,7 @@
           <p:cNvPr id="2" name="Title 1">
             <a:extLst>
               <a:ext uri="{FF2B5EF4-FFF2-40B4-BE49-F238E27FC236}">
-                <a16:creationId xmlns:a16="http://schemas.microsoft.com/office/drawing/2014/main" id="{53A24E7F-F25C-4875-B748-DCD04B08D723}"/>
+                <a16:creationId xmlns:a16="http://schemas.microsoft.com/office/drawing/2014/main" id="{E0625278-CA01-4D33-BDE9-BA2285EFF856}"/>
               </a:ext>
             </a:extLst>
           </p:cNvPr>
@@ -8106,7 +8322,7 @@
         <p:spPr>
           <a:xfrm>
             <a:off x="677334" y="609600"/>
-            <a:ext cx="11514666" cy="1320800"/>
+            <a:ext cx="11420178" cy="1320800"/>
           </a:xfrm>
         </p:spPr>
         <p:txBody>
@@ -8116,11 +8332,11 @@
           <a:lstStyle/>
           <a:p>
             <a:r>
-              <a:rPr lang="en-CA" dirty="0"/>
-              <a:t>WIF checksum checking</a:t>
+              <a:rPr lang="en-US" dirty="0"/>
+              <a:t>WIF to private key</a:t>
             </a:r>
             <a:br>
-              <a:rPr lang="en-CA" dirty="0"/>
+              <a:rPr lang="en-US" dirty="0"/>
             </a:br>
             <a:r>
               <a:rPr lang="en-US" dirty="0"/>
@@ -8141,7 +8357,7 @@
           <p:cNvPr id="3" name="Content Placeholder 2">
             <a:extLst>
               <a:ext uri="{FF2B5EF4-FFF2-40B4-BE49-F238E27FC236}">
-                <a16:creationId xmlns:a16="http://schemas.microsoft.com/office/drawing/2014/main" id="{4935CCB3-BD43-4178-B890-64A29C1585D3}"/>
+                <a16:creationId xmlns:a16="http://schemas.microsoft.com/office/drawing/2014/main" id="{31FF2BDB-E7C0-4F90-8FE2-484245563E0B}"/>
               </a:ext>
             </a:extLst>
           </p:cNvPr>
@@ -8154,8 +8370,8 @@
         </p:nvSpPr>
         <p:spPr>
           <a:xfrm>
-            <a:off x="677334" y="2048257"/>
-            <a:ext cx="10396050" cy="4809744"/>
+            <a:off x="677334" y="2160590"/>
+            <a:ext cx="11063562" cy="2767012"/>
           </a:xfrm>
         </p:spPr>
         <p:txBody>
@@ -8165,136 +8381,83 @@
           <a:lstStyle/>
           <a:p>
             <a:r>
-              <a:rPr lang="en-CA" dirty="0"/>
-              <a:t>1 - Take the Wallet Import Format string</a:t>
+              <a:rPr lang="en-US" dirty="0"/>
+              <a:t>1 - Take a Wallet Import Format string</a:t>
             </a:r>
             <a:br>
-              <a:rPr lang="en-CA" dirty="0"/>
+              <a:rPr lang="en-US" dirty="0"/>
             </a:br>
             <a:br>
-              <a:rPr lang="en-CA" dirty="0"/>
+              <a:rPr lang="en-US" dirty="0"/>
             </a:br>
             <a:r>
-              <a:rPr lang="en-CA" dirty="0"/>
-              <a:t> 5HueCGU8rMjxEXxiPuD5BD_SAMPLE_PRIVATE_KEY_DO_NOT_IMPORT_ku4MkFqeZyd4dZ1jvhTVqvbTLvyTJ</a:t>
-            </a:r>
-          </a:p>
-          <a:p>
-            <a:r>
-              <a:rPr lang="en-CA" dirty="0"/>
+              <a:rPr lang="en-US" dirty="0"/>
+              <a:t>5HueCGU8rMjxEXxiPuD5BDk_SAMPLE_PRIVATE_KEY_DO_NOT_IMPORT_u4MkFqeZyd4dZ1jvhTVqvbTLvyTJ</a:t>
+            </a:r>
+          </a:p>
+          <a:p>
+            <a:r>
+              <a:rPr lang="en-US" dirty="0"/>
               <a:t>2 - Convert it to a byte string using Base58Check encoding</a:t>
             </a:r>
             <a:br>
-              <a:rPr lang="en-CA" dirty="0"/>
+              <a:rPr lang="en-US" dirty="0"/>
             </a:br>
             <a:br>
-              <a:rPr lang="en-CA" dirty="0"/>
+              <a:rPr lang="en-US" dirty="0"/>
             </a:br>
             <a:r>
-              <a:rPr lang="en-CA" dirty="0"/>
-              <a:t>800C28FCA386C7A227600B2FE50B7CAE11E_SAMPLE_PRIVATE_KEY_DO_NOT_IMPORT_C86D3BF1FBE471BE89827E19D72AA1D507A5B8D</a:t>
-            </a:r>
-          </a:p>
-          <a:p>
-            <a:r>
-              <a:rPr lang="en-CA" dirty="0"/>
+              <a:rPr lang="en-US" dirty="0"/>
+              <a:t>800C28FCA386C7A227600B2FE50B7CAE11EC_SAMPLE_PRIVATE_KEY_DO_NOT_IMPORT_86D3BF1FBE471BE89827E19D72AA1D507A5B8D</a:t>
+            </a:r>
+          </a:p>
+          <a:p>
+            <a:r>
+              <a:rPr lang="en-US" dirty="0"/>
               <a:t>3 - Drop the last 4 checksum bytes from the byte string</a:t>
             </a:r>
             <a:br>
-              <a:rPr lang="en-CA" dirty="0"/>
+              <a:rPr lang="en-US" dirty="0"/>
             </a:br>
             <a:br>
-              <a:rPr lang="en-CA" dirty="0"/>
+              <a:rPr lang="en-US" dirty="0"/>
             </a:br>
             <a:r>
-              <a:rPr lang="en-CA" dirty="0"/>
+              <a:rPr lang="en-US" dirty="0"/>
               <a:t>800C28FCA386C7A227600B2FE50B7CAE11EC86D3BF1FBE471BE89827E19D72AA1D</a:t>
             </a:r>
           </a:p>
           <a:p>
             <a:r>
-              <a:rPr lang="en-CA" dirty="0"/>
-              <a:t>3 - Perform SHA-256 hash on the shortened string</a:t>
+              <a:rPr lang="en-US" dirty="0"/>
+              <a:t>4 - Drop the first byte (it should be 0x80). If the private key corresponded to a compressed public key, also drop the last byte (it should be 0x01). If it corresponded to a compressed public key, the WIF string will have started with K or L instead of 5 (or c instead of 9 on </a:t>
+            </a:r>
+            <a:r>
+              <a:rPr lang="en-US" dirty="0" err="1"/>
+              <a:t>testnet</a:t>
+            </a:r>
+            <a:r>
+              <a:rPr lang="en-US" dirty="0"/>
+              <a:t>). This is the private key.</a:t>
             </a:r>
             <a:br>
-              <a:rPr lang="en-CA" dirty="0"/>
+              <a:rPr lang="en-US" dirty="0"/>
             </a:br>
             <a:br>
-              <a:rPr lang="en-CA" dirty="0"/>
+              <a:rPr lang="en-US" dirty="0"/>
             </a:br>
             <a:r>
-              <a:rPr lang="en-CA" dirty="0"/>
-              <a:t>8147786C4D15106333BF278D71DADAF1079EF2D2440A4DDE37D747DED5403592</a:t>
-            </a:r>
-          </a:p>
-          <a:p>
-            <a:r>
-              <a:rPr lang="en-CA" dirty="0"/>
-              <a:t>4 - Perform SHA-256 hash on result of SHA-256 hash</a:t>
-            </a:r>
-            <a:br>
-              <a:rPr lang="en-CA" dirty="0"/>
-            </a:br>
-            <a:br>
-              <a:rPr lang="en-CA" dirty="0"/>
-            </a:br>
-            <a:r>
-              <a:rPr lang="en-CA" dirty="0"/>
-              <a:t>507A5B8DFED0FC6FE8801743720CEDEC06AA5C6FCA72B07C49964492FB98A714</a:t>
-            </a:r>
-          </a:p>
-          <a:p>
-            <a:r>
-              <a:rPr lang="en-CA" dirty="0"/>
-              <a:t>5 - Take the first 4 bytes of the second SHA-256 hash, this is the checksum</a:t>
-            </a:r>
-            <a:br>
-              <a:rPr lang="en-CA" dirty="0"/>
-            </a:br>
-            <a:br>
-              <a:rPr lang="en-CA" dirty="0"/>
-            </a:br>
-            <a:r>
-              <a:rPr lang="en-CA" dirty="0"/>
-              <a:t>507A5B8D</a:t>
-            </a:r>
-          </a:p>
-          <a:p>
-            <a:r>
-              <a:rPr lang="en-CA" dirty="0"/>
-              <a:t>6 - Make sure it is the same, as the last 4 bytes from point 2</a:t>
-            </a:r>
-            <a:br>
-              <a:rPr lang="en-CA" dirty="0"/>
-            </a:br>
-            <a:br>
-              <a:rPr lang="en-CA" dirty="0"/>
-            </a:br>
-            <a:r>
-              <a:rPr lang="en-CA" dirty="0"/>
-              <a:t>507A5B8D</a:t>
-            </a:r>
-          </a:p>
-          <a:p>
-            <a:r>
-              <a:rPr lang="en-CA" dirty="0"/>
-              <a:t>7 - If they are, and the byte string from point 2 starts with 0x80 (0xef for </a:t>
-            </a:r>
-            <a:r>
-              <a:rPr lang="en-CA" dirty="0" err="1"/>
-              <a:t>testnet</a:t>
-            </a:r>
-            <a:r>
-              <a:rPr lang="en-CA" dirty="0"/>
-              <a:t> addresses), then there is no error.</a:t>
-            </a:r>
+              <a:rPr lang="en-US" dirty="0"/>
+              <a:t>0C28FCA386C7A227600B2FE50B7CAE1_SAMPLE_PRIVATE_KEY_DO_NOT_IMPORT_1EC86D3BF1FBE471BE89827E19D72AA1D</a:t>
+            </a:r>
+            <a:endParaRPr lang="en-CA" dirty="0"/>
           </a:p>
         </p:txBody>
       </p:sp>
     </p:spTree>
     <p:extLst>
       <p:ext uri="{BB962C8B-B14F-4D97-AF65-F5344CB8AC3E}">
-        <p14:creationId xmlns:p14="http://schemas.microsoft.com/office/powerpoint/2010/main" val="3226462886"/>
+        <p14:creationId xmlns:p14="http://schemas.microsoft.com/office/powerpoint/2010/main" val="1675477767"/>
       </p:ext>
     </p:extLst>
   </p:cSld>
